--- a/Documentation/AgathaChristie-RPG.pptx
+++ b/Documentation/AgathaChristie-RPG.pptx
@@ -5,17 +5,18 @@
     <p:sldMasterId id="2147483672" r:id="rId1"/>
   </p:sldMasterIdLst>
   <p:notesMasterIdLst>
-    <p:notesMasterId r:id="rId7"/>
+    <p:notesMasterId r:id="rId8"/>
   </p:notesMasterIdLst>
   <p:handoutMasterIdLst>
-    <p:handoutMasterId r:id="rId8"/>
+    <p:handoutMasterId r:id="rId9"/>
   </p:handoutMasterIdLst>
   <p:sldIdLst>
     <p:sldId id="256" r:id="rId2"/>
     <p:sldId id="364" r:id="rId3"/>
     <p:sldId id="367" r:id="rId4"/>
     <p:sldId id="543" r:id="rId5"/>
-    <p:sldId id="542" r:id="rId6"/>
+    <p:sldId id="544" r:id="rId6"/>
+    <p:sldId id="542" r:id="rId7"/>
   </p:sldIdLst>
   <p:sldSz cx="9144000" cy="6858000" type="screen4x3"/>
   <p:notesSz cx="6881813" cy="9296400"/>
@@ -299,7 +300,7 @@
             <a:fld id="{3BF7C7B5-275F-4D1F-9AB4-9255447DBC73}" type="datetimeFigureOut">
               <a:rPr lang="en-US"/>
               <a:pPr/>
-              <a:t>2/25/2014</a:t>
+              <a:t>2/27/2014</a:t>
             </a:fld>
             <a:endParaRPr lang="en-US" dirty="0"/>
           </a:p>
@@ -530,7 +531,7 @@
             <a:fld id="{9B46F231-FB2B-4655-A644-E2477325E686}" type="datetimeFigureOut">
               <a:rPr lang="en-US"/>
               <a:pPr/>
-              <a:t>2/25/2014</a:t>
+              <a:t>2/27/2014</a:t>
             </a:fld>
             <a:endParaRPr lang="en-US" dirty="0"/>
           </a:p>
@@ -1195,6 +1196,91 @@
               <a:rPr lang="en-US" smtClean="0"/>
               <a:pPr/>
               <a:t>4</a:t>
+            </a:fld>
+            <a:endParaRPr lang="en-US" dirty="0"/>
+          </a:p>
+        </p:txBody>
+      </p:sp>
+    </p:spTree>
+    <p:extLst>
+      <p:ext uri="{BB962C8B-B14F-4D97-AF65-F5344CB8AC3E}">
+        <p14:creationId xmlns:p14="http://schemas.microsoft.com/office/powerpoint/2010/main" val="2202867346"/>
+      </p:ext>
+    </p:extLst>
+  </p:cSld>
+  <p:clrMapOvr>
+    <a:masterClrMapping/>
+  </p:clrMapOvr>
+</p:notes>
+</file>
+
+<file path=ppt/notesSlides/notesSlide5.xml><?xml version="1.0" encoding="utf-8"?>
+<p:notes xmlns:a="http://schemas.openxmlformats.org/drawingml/2006/main" xmlns:r="http://schemas.openxmlformats.org/officeDocument/2006/relationships" xmlns:p="http://schemas.openxmlformats.org/presentationml/2006/main">
+  <p:cSld>
+    <p:spTree>
+      <p:nvGrpSpPr>
+        <p:cNvPr id="1" name=""/>
+        <p:cNvGrpSpPr/>
+        <p:nvPr/>
+      </p:nvGrpSpPr>
+      <p:grpSpPr>
+        <a:xfrm>
+          <a:off x="0" y="0"/>
+          <a:ext cx="0" cy="0"/>
+          <a:chOff x="0" y="0"/>
+          <a:chExt cx="0" cy="0"/>
+        </a:xfrm>
+      </p:grpSpPr>
+      <p:sp>
+        <p:nvSpPr>
+          <p:cNvPr id="2" name="Slide Image Placeholder 1"/>
+          <p:cNvSpPr>
+            <a:spLocks noGrp="1" noRot="1" noChangeAspect="1"/>
+          </p:cNvSpPr>
+          <p:nvPr>
+            <p:ph type="sldImg"/>
+          </p:nvPr>
+        </p:nvSpPr>
+        <p:spPr/>
+      </p:sp>
+      <p:sp>
+        <p:nvSpPr>
+          <p:cNvPr id="3" name="Notes Placeholder 2"/>
+          <p:cNvSpPr>
+            <a:spLocks noGrp="1"/>
+          </p:cNvSpPr>
+          <p:nvPr>
+            <p:ph type="body" idx="1"/>
+          </p:nvPr>
+        </p:nvSpPr>
+        <p:spPr/>
+        <p:txBody>
+          <a:bodyPr/>
+          <a:lstStyle/>
+          <a:p>
+            <a:endParaRPr lang="en-US" dirty="0"/>
+          </a:p>
+        </p:txBody>
+      </p:sp>
+      <p:sp>
+        <p:nvSpPr>
+          <p:cNvPr id="4" name="Slide Number Placeholder 3"/>
+          <p:cNvSpPr>
+            <a:spLocks noGrp="1"/>
+          </p:cNvSpPr>
+          <p:nvPr>
+            <p:ph type="sldNum" sz="quarter" idx="10"/>
+          </p:nvPr>
+        </p:nvSpPr>
+        <p:spPr/>
+        <p:txBody>
+          <a:bodyPr/>
+          <a:lstStyle/>
+          <a:p>
+            <a:fld id="{6FB4F6EA-423E-42DF-9292-215E7D886C4E}" type="slidenum">
+              <a:rPr lang="en-US" smtClean="0"/>
+              <a:pPr/>
+              <a:t>5</a:t>
             </a:fld>
             <a:endParaRPr lang="en-US" dirty="0"/>
           </a:p>
@@ -6155,11 +6241,7 @@
           <a:p>
             <a:r>
               <a:rPr lang="en-US" dirty="0" smtClean="0"/>
-              <a:t>Game: </a:t>
-            </a:r>
-            <a:r>
-              <a:rPr lang="en-US" dirty="0" smtClean="0"/>
-              <a:t>RPG</a:t>
+              <a:t>Game: RPG</a:t>
             </a:r>
             <a:endParaRPr lang="en-US" dirty="0"/>
           </a:p>
@@ -6318,11 +6400,7 @@
             </a:pPr>
             <a:r>
               <a:rPr lang="en-US" sz="4800" dirty="0" smtClean="0"/>
-              <a:t>Teamwork </a:t>
-            </a:r>
-            <a:r>
-              <a:rPr lang="en-US" sz="4800" dirty="0" smtClean="0"/>
-              <a:t>OOP</a:t>
+              <a:t>Teamwork OOP</a:t>
             </a:r>
             <a:endParaRPr lang="en-US" sz="6000" dirty="0"/>
           </a:p>
@@ -6350,19 +6428,7 @@
           <a:p>
             <a:r>
               <a:rPr lang="en-US" dirty="0" smtClean="0"/>
-              <a:t>Team </a:t>
-            </a:r>
-            <a:r>
-              <a:rPr lang="en-US" dirty="0" smtClean="0"/>
-              <a:t>“</a:t>
-            </a:r>
-            <a:r>
-              <a:rPr lang="en-US" dirty="0" smtClean="0"/>
-              <a:t>Agatha Christie</a:t>
-            </a:r>
-            <a:r>
-              <a:rPr lang="en-US" dirty="0" smtClean="0"/>
-              <a:t>”</a:t>
+              <a:t>Team “Agatha Christie”</a:t>
             </a:r>
             <a:endParaRPr lang="bg-BG" dirty="0"/>
           </a:p>
@@ -6906,52 +6972,7 @@
                   </a:outerShdw>
                 </a:effectLst>
               </a:rPr>
-              <a:t>Menu </a:t>
-            </a:r>
-            <a:r>
-              <a:rPr lang="en-US" sz="3600" b="1" dirty="0" smtClean="0">
-                <a:solidFill>
-                  <a:srgbClr val="DEFF9B"/>
-                </a:solidFill>
-                <a:effectLst>
-                  <a:outerShdw blurRad="38100" dist="38100" dir="2700000" algn="tl">
-                    <a:srgbClr val="000000">
-                      <a:alpha val="43137"/>
-                    </a:srgbClr>
-                  </a:outerShdw>
-                </a:effectLst>
-              </a:rPr>
-              <a:t>with </a:t>
-            </a:r>
-            <a:r>
-              <a:rPr lang="en-US" sz="3600" b="1" dirty="0" smtClean="0">
-                <a:solidFill>
-                  <a:srgbClr val="DEFF9B"/>
-                </a:solidFill>
-                <a:effectLst>
-                  <a:outerShdw blurRad="38100" dist="38100" dir="2700000" algn="tl">
-                    <a:srgbClr val="000000">
-                      <a:alpha val="43137"/>
-                    </a:srgbClr>
-                  </a:outerShdw>
-                </a:effectLst>
-              </a:rPr>
-              <a:t>4 </a:t>
-            </a:r>
-            <a:r>
-              <a:rPr lang="en-US" sz="3600" b="1" dirty="0" smtClean="0">
-                <a:solidFill>
-                  <a:srgbClr val="DEFF9B"/>
-                </a:solidFill>
-                <a:effectLst>
-                  <a:outerShdw blurRad="38100" dist="38100" dir="2700000" algn="tl">
-                    <a:srgbClr val="000000">
-                      <a:alpha val="43137"/>
-                    </a:srgbClr>
-                  </a:outerShdw>
-                </a:effectLst>
-              </a:rPr>
-              <a:t>options</a:t>
+              <a:t>Menu with 4 options</a:t>
             </a:r>
             <a:endParaRPr lang="bg-BG" sz="3600" b="1" dirty="0" smtClean="0">
               <a:solidFill>
@@ -6986,18 +7007,6 @@
               </a:rPr>
               <a:t>Heroes</a:t>
             </a:r>
-            <a:endParaRPr lang="en-US" sz="3600" b="1" dirty="0" smtClean="0">
-              <a:solidFill>
-                <a:srgbClr val="DEFF9B"/>
-              </a:solidFill>
-              <a:effectLst>
-                <a:outerShdw blurRad="38100" dist="38100" dir="2700000" algn="tl">
-                  <a:srgbClr val="000000">
-                    <a:alpha val="43137"/>
-                  </a:srgbClr>
-                </a:outerShdw>
-              </a:effectLst>
-            </a:endParaRPr>
           </a:p>
           <a:p>
             <a:pPr marL="342900" indent="-342900">
@@ -7575,11 +7584,7 @@
           <a:p>
             <a:r>
               <a:rPr lang="en-US" sz="4800" dirty="0" smtClean="0"/>
-              <a:t>More in </a:t>
-            </a:r>
-            <a:r>
-              <a:rPr lang="en-US" sz="4800" dirty="0" smtClean="0"/>
-              <a:t>game features</a:t>
+              <a:t>More in game features</a:t>
             </a:r>
             <a:endParaRPr lang="en-US" sz="4800" dirty="0"/>
           </a:p>
@@ -7607,8 +7612,8 @@
         </p:blipFill>
         <p:spPr>
           <a:xfrm>
-            <a:off x="1467285" y="2006658"/>
-            <a:ext cx="6076077" cy="4554002"/>
+            <a:off x="1487538" y="2006658"/>
+            <a:ext cx="6035570" cy="4554002"/>
           </a:xfrm>
           <a:prstGeom prst="rect">
             <a:avLst/>
@@ -7623,7 +7628,7 @@
         </p:nvSpPr>
         <p:spPr>
           <a:xfrm>
-            <a:off x="289560" y="2466212"/>
+            <a:off x="142121" y="2408707"/>
             <a:ext cx="2352279" cy="1372298"/>
           </a:xfrm>
           <a:custGeom>
@@ -7898,7 +7903,7 @@
         </p:nvSpPr>
         <p:spPr>
           <a:xfrm>
-            <a:off x="5791200" y="3152361"/>
+            <a:off x="4343400" y="5519842"/>
             <a:ext cx="2401745" cy="1004242"/>
           </a:xfrm>
           <a:custGeom>
@@ -8198,23 +8203,7 @@
                   </a:outerShdw>
                 </a:effectLst>
               </a:rPr>
-              <a:t>    </a:t>
-            </a:r>
-            <a:r>
-              <a:rPr lang="en-US" dirty="0" smtClean="0">
-                <a:ln w="0"/>
-                <a:solidFill>
-                  <a:schemeClr val="tx1"/>
-                </a:solidFill>
-                <a:effectLst>
-                  <a:outerShdw blurRad="38100" dist="19050" dir="2700000" algn="tl" rotWithShape="0">
-                    <a:schemeClr val="dk1">
-                      <a:alpha val="40000"/>
-                    </a:schemeClr>
-                  </a:outerShdw>
-                </a:effectLst>
-              </a:rPr>
-              <a:t>Monster</a:t>
+              <a:t>    Monster</a:t>
             </a:r>
             <a:endParaRPr lang="en-US" dirty="0">
               <a:ln w="0"/>
@@ -8240,7 +8229,7 @@
         </p:nvSpPr>
         <p:spPr>
           <a:xfrm>
-            <a:off x="441961" y="2617802"/>
+            <a:off x="294522" y="2560297"/>
             <a:ext cx="1752600" cy="477054"/>
           </a:xfrm>
           <a:prstGeom prst="rect">
@@ -8283,7 +8272,7 @@
         </p:nvSpPr>
         <p:spPr>
           <a:xfrm>
-            <a:off x="1319817" y="5017167"/>
+            <a:off x="4667200" y="3276600"/>
             <a:ext cx="1754144" cy="638459"/>
           </a:xfrm>
           <a:custGeom>
@@ -8459,7 +8448,7 @@
         </p:nvSpPr>
         <p:spPr>
           <a:xfrm>
-            <a:off x="1455485" y="5062897"/>
+            <a:off x="4802868" y="3322330"/>
             <a:ext cx="1295547" cy="477054"/>
           </a:xfrm>
           <a:prstGeom prst="rect">
@@ -8533,6 +8522,247 @@
       </p:grpSpPr>
       <p:sp>
         <p:nvSpPr>
+          <p:cNvPr id="14" name="Title 1"/>
+          <p:cNvSpPr txBox="1">
+            <a:spLocks/>
+          </p:cNvSpPr>
+          <p:nvPr/>
+        </p:nvSpPr>
+        <p:spPr>
+          <a:xfrm>
+            <a:off x="581024" y="924580"/>
+            <a:ext cx="7848600" cy="1209020"/>
+          </a:xfrm>
+          <a:prstGeom prst="rect">
+            <a:avLst/>
+          </a:prstGeom>
+        </p:spPr>
+        <p:txBody>
+          <a:bodyPr tIns="0" bIns="0" anchor="ctr" anchorCtr="0"/>
+          <a:lstStyle>
+            <a:lvl1pPr algn="ctr" rtl="0" eaLnBrk="0" fontAlgn="base" hangingPunct="0">
+              <a:lnSpc>
+                <a:spcPts val="5600"/>
+              </a:lnSpc>
+              <a:spcBef>
+                <a:spcPct val="0"/>
+              </a:spcBef>
+              <a:spcAft>
+                <a:spcPct val="0"/>
+              </a:spcAft>
+              <a:defRPr sz="5000" b="1" kern="1200" cap="none" baseline="0">
+                <a:ln w="500">
+                  <a:noFill/>
+                </a:ln>
+                <a:solidFill>
+                  <a:schemeClr val="tx2"/>
+                </a:solidFill>
+                <a:effectLst>
+                  <a:outerShdw blurRad="30000" dist="30000" dir="2700000" algn="tl" rotWithShape="0">
+                    <a:schemeClr val="bg2">
+                      <a:shade val="45000"/>
+                      <a:satMod val="150000"/>
+                      <a:alpha val="90000"/>
+                    </a:schemeClr>
+                  </a:outerShdw>
+                  <a:reflection blurRad="12000" stA="20000" endPos="50000" dist="12700" dir="5400000" sy="-100000" algn="bl" rotWithShape="0"/>
+                </a:effectLst>
+                <a:latin typeface="+mj-lt"/>
+                <a:ea typeface="+mj-ea"/>
+                <a:cs typeface="+mj-cs"/>
+              </a:defRPr>
+            </a:lvl1pPr>
+            <a:lvl2pPr algn="r" rtl="0" eaLnBrk="0" fontAlgn="base" hangingPunct="0">
+              <a:spcBef>
+                <a:spcPct val="0"/>
+              </a:spcBef>
+              <a:spcAft>
+                <a:spcPct val="0"/>
+              </a:spcAft>
+              <a:defRPr sz="3000" b="1">
+                <a:solidFill>
+                  <a:schemeClr val="tx2"/>
+                </a:solidFill>
+                <a:latin typeface="Corbel" pitchFamily="34" charset="0"/>
+              </a:defRPr>
+            </a:lvl2pPr>
+            <a:lvl3pPr algn="r" rtl="0" eaLnBrk="0" fontAlgn="base" hangingPunct="0">
+              <a:spcBef>
+                <a:spcPct val="0"/>
+              </a:spcBef>
+              <a:spcAft>
+                <a:spcPct val="0"/>
+              </a:spcAft>
+              <a:defRPr sz="3000" b="1">
+                <a:solidFill>
+                  <a:schemeClr val="tx2"/>
+                </a:solidFill>
+                <a:latin typeface="Corbel" pitchFamily="34" charset="0"/>
+              </a:defRPr>
+            </a:lvl3pPr>
+            <a:lvl4pPr algn="r" rtl="0" eaLnBrk="0" fontAlgn="base" hangingPunct="0">
+              <a:spcBef>
+                <a:spcPct val="0"/>
+              </a:spcBef>
+              <a:spcAft>
+                <a:spcPct val="0"/>
+              </a:spcAft>
+              <a:defRPr sz="3000" b="1">
+                <a:solidFill>
+                  <a:schemeClr val="tx2"/>
+                </a:solidFill>
+                <a:latin typeface="Corbel" pitchFamily="34" charset="0"/>
+              </a:defRPr>
+            </a:lvl4pPr>
+            <a:lvl5pPr algn="r" rtl="0" eaLnBrk="0" fontAlgn="base" hangingPunct="0">
+              <a:spcBef>
+                <a:spcPct val="0"/>
+              </a:spcBef>
+              <a:spcAft>
+                <a:spcPct val="0"/>
+              </a:spcAft>
+              <a:defRPr sz="3000" b="1">
+                <a:solidFill>
+                  <a:schemeClr val="tx2"/>
+                </a:solidFill>
+                <a:latin typeface="Corbel" pitchFamily="34" charset="0"/>
+              </a:defRPr>
+            </a:lvl5pPr>
+            <a:lvl6pPr marL="457200" algn="r" rtl="0" fontAlgn="base">
+              <a:spcBef>
+                <a:spcPct val="0"/>
+              </a:spcBef>
+              <a:spcAft>
+                <a:spcPct val="0"/>
+              </a:spcAft>
+              <a:defRPr sz="3000" b="1">
+                <a:solidFill>
+                  <a:schemeClr val="tx2"/>
+                </a:solidFill>
+                <a:latin typeface="Corbel" pitchFamily="34" charset="0"/>
+              </a:defRPr>
+            </a:lvl6pPr>
+            <a:lvl7pPr marL="914400" algn="r" rtl="0" fontAlgn="base">
+              <a:spcBef>
+                <a:spcPct val="0"/>
+              </a:spcBef>
+              <a:spcAft>
+                <a:spcPct val="0"/>
+              </a:spcAft>
+              <a:defRPr sz="3000" b="1">
+                <a:solidFill>
+                  <a:schemeClr val="tx2"/>
+                </a:solidFill>
+                <a:latin typeface="Corbel" pitchFamily="34" charset="0"/>
+              </a:defRPr>
+            </a:lvl7pPr>
+            <a:lvl8pPr marL="1371600" algn="r" rtl="0" fontAlgn="base">
+              <a:spcBef>
+                <a:spcPct val="0"/>
+              </a:spcBef>
+              <a:spcAft>
+                <a:spcPct val="0"/>
+              </a:spcAft>
+              <a:defRPr sz="3000" b="1">
+                <a:solidFill>
+                  <a:schemeClr val="tx2"/>
+                </a:solidFill>
+                <a:latin typeface="Corbel" pitchFamily="34" charset="0"/>
+              </a:defRPr>
+            </a:lvl8pPr>
+            <a:lvl9pPr marL="1828800" algn="r" rtl="0" fontAlgn="base">
+              <a:spcBef>
+                <a:spcPct val="0"/>
+              </a:spcBef>
+              <a:spcAft>
+                <a:spcPct val="0"/>
+              </a:spcAft>
+              <a:defRPr sz="3000" b="1">
+                <a:solidFill>
+                  <a:schemeClr val="tx2"/>
+                </a:solidFill>
+                <a:latin typeface="Corbel" pitchFamily="34" charset="0"/>
+              </a:defRPr>
+            </a:lvl9pPr>
+          </a:lstStyle>
+          <a:p>
+            <a:r>
+              <a:rPr lang="en-US" sz="4800" dirty="0" smtClean="0"/>
+              <a:t>More in game features</a:t>
+            </a:r>
+            <a:endParaRPr lang="en-US" sz="4800" dirty="0"/>
+          </a:p>
+        </p:txBody>
+      </p:sp>
+      <p:pic>
+        <p:nvPicPr>
+          <p:cNvPr id="5" name="Picture 4"/>
+          <p:cNvPicPr>
+            <a:picLocks noChangeAspect="1"/>
+          </p:cNvPicPr>
+          <p:nvPr/>
+        </p:nvPicPr>
+        <p:blipFill>
+          <a:blip r:embed="rId3">
+            <a:extLst>
+              <a:ext uri="{28A0092B-C50C-407E-A947-70E740481C1C}">
+                <a14:useLocalDpi xmlns:a14="http://schemas.microsoft.com/office/drawing/2010/main" val="0"/>
+              </a:ext>
+            </a:extLst>
+          </a:blip>
+          <a:stretch>
+            <a:fillRect/>
+          </a:stretch>
+        </p:blipFill>
+        <p:spPr>
+          <a:xfrm>
+            <a:off x="1487538" y="2089459"/>
+            <a:ext cx="6035570" cy="4388400"/>
+          </a:xfrm>
+          <a:prstGeom prst="rect">
+            <a:avLst/>
+          </a:prstGeom>
+        </p:spPr>
+      </p:pic>
+    </p:spTree>
+    <p:extLst>
+      <p:ext uri="{BB962C8B-B14F-4D97-AF65-F5344CB8AC3E}">
+        <p14:creationId xmlns:p14="http://schemas.microsoft.com/office/powerpoint/2010/main" val="3791559985"/>
+      </p:ext>
+    </p:extLst>
+  </p:cSld>
+  <p:clrMapOvr>
+    <a:masterClrMapping/>
+  </p:clrMapOvr>
+  <p:timing>
+    <p:tnLst>
+      <p:par>
+        <p:cTn id="1" dur="indefinite" restart="never" nodeType="tmRoot"/>
+      </p:par>
+    </p:tnLst>
+  </p:timing>
+</p:sld>
+</file>
+
+<file path=ppt/slides/slide6.xml><?xml version="1.0" encoding="utf-8"?>
+<p:sld xmlns:a="http://schemas.openxmlformats.org/drawingml/2006/main" xmlns:r="http://schemas.openxmlformats.org/officeDocument/2006/relationships" xmlns:p="http://schemas.openxmlformats.org/presentationml/2006/main">
+  <p:cSld>
+    <p:spTree>
+      <p:nvGrpSpPr>
+        <p:cNvPr id="1" name=""/>
+        <p:cNvGrpSpPr/>
+        <p:nvPr/>
+      </p:nvGrpSpPr>
+      <p:grpSpPr>
+        <a:xfrm>
+          <a:off x="0" y="0"/>
+          <a:ext cx="0" cy="0"/>
+          <a:chOff x="0" y="0"/>
+          <a:chExt cx="0" cy="0"/>
+        </a:xfrm>
+      </p:grpSpPr>
+      <p:sp>
+        <p:nvSpPr>
           <p:cNvPr id="9" name="Title 1"/>
           <p:cNvSpPr txBox="1">
             <a:spLocks/>
@@ -8865,18 +9095,6 @@
               </a:rPr>
               <a:t>Мартина Петрова</a:t>
             </a:r>
-            <a:endParaRPr lang="bg-BG" sz="3600" b="1" dirty="0" smtClean="0">
-              <a:solidFill>
-                <a:srgbClr val="DEFF9B"/>
-              </a:solidFill>
-              <a:effectLst>
-                <a:outerShdw blurRad="38100" dist="38100" dir="2700000" algn="tl">
-                  <a:srgbClr val="000000">
-                    <a:alpha val="43137"/>
-                  </a:srgbClr>
-                </a:outerShdw>
-              </a:effectLst>
-            </a:endParaRPr>
           </a:p>
           <a:p>
             <a:pPr marL="342900" lvl="0" indent="-342900">
@@ -8919,18 +9137,6 @@
               </a:rPr>
               <a:t>Николай Карачоров</a:t>
             </a:r>
-            <a:endParaRPr lang="bg-BG" sz="3600" b="1" dirty="0" smtClean="0">
-              <a:solidFill>
-                <a:srgbClr val="DEFF9B"/>
-              </a:solidFill>
-              <a:effectLst>
-                <a:outerShdw blurRad="38100" dist="38100" dir="2700000" algn="tl">
-                  <a:srgbClr val="000000">
-                    <a:alpha val="43137"/>
-                  </a:srgbClr>
-                </a:outerShdw>
-              </a:effectLst>
-            </a:endParaRPr>
           </a:p>
         </p:txBody>
       </p:sp>
